--- a/figure/metaPath/metaOmics_Path.pptx
+++ b/figure/metaPath/metaOmics_Path.pptx
@@ -5,10 +5,11 @@
     <p:sldMasterId id="2147483648" r:id="rId1"/>
   </p:sldMasterIdLst>
   <p:notesMasterIdLst>
-    <p:notesMasterId r:id="rId3"/>
+    <p:notesMasterId r:id="rId4"/>
   </p:notesMasterIdLst>
   <p:sldIdLst>
     <p:sldId id="256" r:id="rId2"/>
+    <p:sldId id="257" r:id="rId3"/>
   </p:sldIdLst>
   <p:sldSz cx="12192000" cy="6858000"/>
   <p:notesSz cx="6858000" cy="9144000"/>
@@ -197,7 +198,7 @@
           <a:p>
             <a:fld id="{83623CD3-2637-5C4E-B4A9-3752156357C2}" type="datetimeFigureOut">
               <a:rPr lang="en-US" smtClean="0"/>
-              <a:t>10/13/17</a:t>
+              <a:t>4/16/18</a:t>
             </a:fld>
             <a:endParaRPr lang="en-US"/>
           </a:p>
@@ -596,7 +597,7 @@
           <a:p>
             <a:fld id="{1E7AFF6D-C634-F340-858C-AA8EB9E22029}" type="datetimeFigureOut">
               <a:rPr lang="en-US" smtClean="0"/>
-              <a:t>10/13/17</a:t>
+              <a:t>4/16/18</a:t>
             </a:fld>
             <a:endParaRPr lang="en-US"/>
           </a:p>
@@ -766,7 +767,7 @@
           <a:p>
             <a:fld id="{1E7AFF6D-C634-F340-858C-AA8EB9E22029}" type="datetimeFigureOut">
               <a:rPr lang="en-US" smtClean="0"/>
-              <a:t>10/13/17</a:t>
+              <a:t>4/16/18</a:t>
             </a:fld>
             <a:endParaRPr lang="en-US"/>
           </a:p>
@@ -946,7 +947,7 @@
           <a:p>
             <a:fld id="{1E7AFF6D-C634-F340-858C-AA8EB9E22029}" type="datetimeFigureOut">
               <a:rPr lang="en-US" smtClean="0"/>
-              <a:t>10/13/17</a:t>
+              <a:t>4/16/18</a:t>
             </a:fld>
             <a:endParaRPr lang="en-US"/>
           </a:p>
@@ -1116,7 +1117,7 @@
           <a:p>
             <a:fld id="{1E7AFF6D-C634-F340-858C-AA8EB9E22029}" type="datetimeFigureOut">
               <a:rPr lang="en-US" smtClean="0"/>
-              <a:t>10/13/17</a:t>
+              <a:t>4/16/18</a:t>
             </a:fld>
             <a:endParaRPr lang="en-US"/>
           </a:p>
@@ -1362,7 +1363,7 @@
           <a:p>
             <a:fld id="{1E7AFF6D-C634-F340-858C-AA8EB9E22029}" type="datetimeFigureOut">
               <a:rPr lang="en-US" smtClean="0"/>
-              <a:t>10/13/17</a:t>
+              <a:t>4/16/18</a:t>
             </a:fld>
             <a:endParaRPr lang="en-US"/>
           </a:p>
@@ -1594,7 +1595,7 @@
           <a:p>
             <a:fld id="{1E7AFF6D-C634-F340-858C-AA8EB9E22029}" type="datetimeFigureOut">
               <a:rPr lang="en-US" smtClean="0"/>
-              <a:t>10/13/17</a:t>
+              <a:t>4/16/18</a:t>
             </a:fld>
             <a:endParaRPr lang="en-US"/>
           </a:p>
@@ -1961,7 +1962,7 @@
           <a:p>
             <a:fld id="{1E7AFF6D-C634-F340-858C-AA8EB9E22029}" type="datetimeFigureOut">
               <a:rPr lang="en-US" smtClean="0"/>
-              <a:t>10/13/17</a:t>
+              <a:t>4/16/18</a:t>
             </a:fld>
             <a:endParaRPr lang="en-US"/>
           </a:p>
@@ -2079,7 +2080,7 @@
           <a:p>
             <a:fld id="{1E7AFF6D-C634-F340-858C-AA8EB9E22029}" type="datetimeFigureOut">
               <a:rPr lang="en-US" smtClean="0"/>
-              <a:t>10/13/17</a:t>
+              <a:t>4/16/18</a:t>
             </a:fld>
             <a:endParaRPr lang="en-US"/>
           </a:p>
@@ -2174,7 +2175,7 @@
           <a:p>
             <a:fld id="{1E7AFF6D-C634-F340-858C-AA8EB9E22029}" type="datetimeFigureOut">
               <a:rPr lang="en-US" smtClean="0"/>
-              <a:t>10/13/17</a:t>
+              <a:t>4/16/18</a:t>
             </a:fld>
             <a:endParaRPr lang="en-US"/>
           </a:p>
@@ -2451,7 +2452,7 @@
           <a:p>
             <a:fld id="{1E7AFF6D-C634-F340-858C-AA8EB9E22029}" type="datetimeFigureOut">
               <a:rPr lang="en-US" smtClean="0"/>
-              <a:t>10/13/17</a:t>
+              <a:t>4/16/18</a:t>
             </a:fld>
             <a:endParaRPr lang="en-US"/>
           </a:p>
@@ -2704,7 +2705,7 @@
           <a:p>
             <a:fld id="{1E7AFF6D-C634-F340-858C-AA8EB9E22029}" type="datetimeFigureOut">
               <a:rPr lang="en-US" smtClean="0"/>
-              <a:t>10/13/17</a:t>
+              <a:t>4/16/18</a:t>
             </a:fld>
             <a:endParaRPr lang="en-US"/>
           </a:p>
@@ -2917,7 +2918,7 @@
           <a:p>
             <a:fld id="{1E7AFF6D-C634-F340-858C-AA8EB9E22029}" type="datetimeFigureOut">
               <a:rPr lang="en-US" smtClean="0"/>
-              <a:t>10/13/17</a:t>
+              <a:t>4/16/18</a:t>
             </a:fld>
             <a:endParaRPr lang="en-US"/>
           </a:p>
@@ -4125,6 +4126,36 @@
       </p:par>
     </p:tnLst>
   </p:timing>
+</p:sld>
+</file>
+
+<file path=ppt/slides/slide2.xml><?xml version="1.0" encoding="utf-8"?>
+<p:sld xmlns:a="http://schemas.openxmlformats.org/drawingml/2006/main" xmlns:r="http://schemas.openxmlformats.org/officeDocument/2006/relationships" xmlns:p="http://schemas.openxmlformats.org/presentationml/2006/main">
+  <p:cSld>
+    <p:spTree>
+      <p:nvGrpSpPr>
+        <p:cNvPr id="1" name=""/>
+        <p:cNvGrpSpPr/>
+        <p:nvPr/>
+      </p:nvGrpSpPr>
+      <p:grpSpPr>
+        <a:xfrm>
+          <a:off x="0" y="0"/>
+          <a:ext cx="0" cy="0"/>
+          <a:chOff x="0" y="0"/>
+          <a:chExt cx="0" cy="0"/>
+        </a:xfrm>
+      </p:grpSpPr>
+    </p:spTree>
+    <p:extLst>
+      <p:ext uri="{BB962C8B-B14F-4D97-AF65-F5344CB8AC3E}">
+        <p14:creationId xmlns:p14="http://schemas.microsoft.com/office/powerpoint/2010/main" val="497465176"/>
+      </p:ext>
+    </p:extLst>
+  </p:cSld>
+  <p:clrMapOvr>
+    <a:masterClrMapping/>
+  </p:clrMapOvr>
 </p:sld>
 </file>
 
